--- a/ARKit分享.pptx
+++ b/ARKit分享.pptx
@@ -3912,6 +3912,13 @@
   <p:clrMapOvr>
     <a:masterClrMapping/>
   </p:clrMapOvr>
+  <p:timing>
+    <p:tnLst>
+      <p:par>
+        <p:cTn xmlns:p14="http://schemas.microsoft.com/office/powerpoint/2010/main" id="1" dur="indefinite" restart="never" nodeType="tmRoot"/>
+      </p:par>
+    </p:tnLst>
+  </p:timing>
 </p:sld>
 </file>
 
@@ -4068,6 +4075,13 @@
   <p:clrMapOvr>
     <a:masterClrMapping/>
   </p:clrMapOvr>
+  <p:timing>
+    <p:tnLst>
+      <p:par>
+        <p:cTn xmlns:p14="http://schemas.microsoft.com/office/powerpoint/2010/main" id="1" dur="indefinite" restart="never" nodeType="tmRoot"/>
+      </p:par>
+    </p:tnLst>
+  </p:timing>
 </p:sld>
 </file>
 
@@ -4283,6 +4297,13 @@
   <p:clrMapOvr>
     <a:masterClrMapping/>
   </p:clrMapOvr>
+  <p:timing>
+    <p:tnLst>
+      <p:par>
+        <p:cTn xmlns:p14="http://schemas.microsoft.com/office/powerpoint/2010/main" id="1" dur="indefinite" restart="never" nodeType="tmRoot"/>
+      </p:par>
+    </p:tnLst>
+  </p:timing>
 </p:sld>
 </file>
 
@@ -4385,6 +4406,13 @@
   <p:clrMapOvr>
     <a:masterClrMapping/>
   </p:clrMapOvr>
+  <p:timing>
+    <p:tnLst>
+      <p:par>
+        <p:cTn xmlns:p14="http://schemas.microsoft.com/office/powerpoint/2010/main" id="1" dur="indefinite" restart="never" nodeType="tmRoot"/>
+      </p:par>
+    </p:tnLst>
+  </p:timing>
 </p:sld>
 </file>
 
@@ -4489,6 +4517,13 @@
   <p:clrMapOvr>
     <a:masterClrMapping/>
   </p:clrMapOvr>
+  <p:timing>
+    <p:tnLst>
+      <p:par>
+        <p:cTn xmlns:p14="http://schemas.microsoft.com/office/powerpoint/2010/main" id="1" dur="indefinite" restart="never" nodeType="tmRoot"/>
+      </p:par>
+    </p:tnLst>
+  </p:timing>
 </p:sld>
 </file>
 
